--- a/스마트폰 게임 프로그래밍_최종발표.pptx
+++ b/스마트폰 게임 프로그래밍_최종발표.pptx
@@ -7099,8 +7099,8 @@
         </p:blipFill>
         <p:spPr>
           <a:xfrm>
-            <a:off x="8049130" y="3835431"/>
-            <a:ext cx="3287581" cy="1561601"/>
+            <a:off x="7646488" y="2561448"/>
+            <a:ext cx="2827880" cy="1343243"/>
           </a:xfrm>
           <a:prstGeom prst="rect">
             <a:avLst/>
@@ -7129,8 +7129,8 @@
         </p:blipFill>
         <p:spPr>
           <a:xfrm>
-            <a:off x="8109405" y="1344107"/>
-            <a:ext cx="3287578" cy="1684884"/>
+            <a:off x="4926695" y="2630257"/>
+            <a:ext cx="2449627" cy="1255434"/>
           </a:xfrm>
           <a:prstGeom prst="rect">
             <a:avLst/>
@@ -7159,8 +7159,8 @@
         </p:blipFill>
         <p:spPr>
           <a:xfrm>
-            <a:off x="4500090" y="3869063"/>
-            <a:ext cx="3287581" cy="1479411"/>
+            <a:off x="7781713" y="1317331"/>
+            <a:ext cx="2364925" cy="1064216"/>
           </a:xfrm>
           <a:prstGeom prst="rect">
             <a:avLst/>
@@ -7189,8 +7189,8 @@
         </p:blipFill>
         <p:spPr>
           <a:xfrm>
-            <a:off x="4568670" y="1427629"/>
-            <a:ext cx="3287578" cy="1454752"/>
+            <a:off x="4845906" y="1526182"/>
+            <a:ext cx="2090711" cy="925139"/>
           </a:xfrm>
           <a:prstGeom prst="rect">
             <a:avLst/>
@@ -7508,7 +7508,7 @@
               </a:lnSpc>
             </a:pPr>
             <a:r>
-              <a:rPr lang="ko-KR" altLang="en-US" sz="6000" kern="1200" cap="all" baseline="0">
+              <a:rPr lang="ko-KR" altLang="en-US" sz="6000" kern="1200" cap="all" baseline="0" dirty="0" err="1">
                 <a:blipFill dpi="0" rotWithShape="1">
                   <a:blip r:embed="rId4">
                     <a:extLst/>
@@ -7523,7 +7523,7 @@
               <a:t>깃허브</a:t>
             </a:r>
             <a:r>
-              <a:rPr lang="en-US" altLang="ko-KR" sz="6000" kern="1200" cap="all" baseline="0">
+              <a:rPr lang="en-US" altLang="ko-KR" sz="6000" kern="1200" cap="all" baseline="0" dirty="0">
                 <a:blipFill dpi="0" rotWithShape="1">
                   <a:blip r:embed="rId4">
                     <a:extLst/>
@@ -7538,7 +7538,7 @@
               <a:t> </a:t>
             </a:r>
             <a:r>
-              <a:rPr lang="ko-KR" altLang="en-US" sz="6000" kern="1200" cap="all" baseline="0">
+              <a:rPr lang="ko-KR" altLang="en-US" sz="6000" kern="1200" cap="all" baseline="0" dirty="0" err="1">
                 <a:blipFill dpi="0" rotWithShape="1">
                   <a:blip r:embed="rId4">
                     <a:extLst/>
@@ -7552,7 +7552,7 @@
               </a:rPr>
               <a:t>커밋</a:t>
             </a:r>
-            <a:endParaRPr lang="en-US" altLang="ko-KR" sz="6000" kern="1200" cap="all" baseline="0">
+            <a:endParaRPr lang="en-US" altLang="ko-KR" sz="6000" kern="1200" cap="all" baseline="0" dirty="0">
               <a:blipFill dpi="0" rotWithShape="1">
                 <a:blip r:embed="rId4">
                   <a:extLst/>
@@ -7567,6 +7567,66 @@
           </a:p>
         </p:txBody>
       </p:sp>
+      <p:pic>
+        <p:nvPicPr>
+          <p:cNvPr id="3" name="그림 2">
+            <a:extLst>
+              <a:ext uri="{FF2B5EF4-FFF2-40B4-BE49-F238E27FC236}">
+                <a16:creationId xmlns:a16="http://schemas.microsoft.com/office/drawing/2014/main" id="{7DE3361F-6701-4285-AA09-6D42404C5E1E}"/>
+              </a:ext>
+            </a:extLst>
+          </p:cNvPr>
+          <p:cNvPicPr>
+            <a:picLocks noChangeAspect="1"/>
+          </p:cNvPicPr>
+          <p:nvPr/>
+        </p:nvPicPr>
+        <p:blipFill>
+          <a:blip r:embed="rId10"/>
+          <a:stretch>
+            <a:fillRect/>
+          </a:stretch>
+        </p:blipFill>
+        <p:spPr>
+          <a:xfrm>
+            <a:off x="4845906" y="3895863"/>
+            <a:ext cx="3289687" cy="1480888"/>
+          </a:xfrm>
+          <a:prstGeom prst="rect">
+            <a:avLst/>
+          </a:prstGeom>
+        </p:spPr>
+      </p:pic>
+      <p:pic>
+        <p:nvPicPr>
+          <p:cNvPr id="8" name="그림 7">
+            <a:extLst>
+              <a:ext uri="{FF2B5EF4-FFF2-40B4-BE49-F238E27FC236}">
+                <a16:creationId xmlns:a16="http://schemas.microsoft.com/office/drawing/2014/main" id="{64C71A91-D41F-48F7-8D10-F9EFA684158F}"/>
+              </a:ext>
+            </a:extLst>
+          </p:cNvPr>
+          <p:cNvPicPr>
+            <a:picLocks noChangeAspect="1"/>
+          </p:cNvPicPr>
+          <p:nvPr/>
+        </p:nvPicPr>
+        <p:blipFill>
+          <a:blip r:embed="rId11"/>
+          <a:stretch>
+            <a:fillRect/>
+          </a:stretch>
+        </p:blipFill>
+        <p:spPr>
+          <a:xfrm>
+            <a:off x="8549300" y="3950411"/>
+            <a:ext cx="1823245" cy="1619531"/>
+          </a:xfrm>
+          <a:prstGeom prst="rect">
+            <a:avLst/>
+          </a:prstGeom>
+        </p:spPr>
+      </p:pic>
     </p:spTree>
     <p:extLst>
       <p:ext uri="{BB962C8B-B14F-4D97-AF65-F5344CB8AC3E}">
